--- a/ddscs/doc/DDSCS.pptx
+++ b/ddscs/doc/DDSCS.pptx
@@ -11,9 +11,10 @@
     <p:sldId id="261" r:id="rId5"/>
     <p:sldId id="262" r:id="rId6"/>
     <p:sldId id="257" r:id="rId7"/>
-    <p:sldId id="263" r:id="rId8"/>
-    <p:sldId id="265" r:id="rId9"/>
-    <p:sldId id="264" r:id="rId10"/>
+    <p:sldId id="266" r:id="rId8"/>
+    <p:sldId id="263" r:id="rId9"/>
+    <p:sldId id="265" r:id="rId10"/>
+    <p:sldId id="264" r:id="rId11"/>
   </p:sldIdLst>
   <p:sldSz cx="9144000" cy="6858000" type="screen4x3"/>
   <p:notesSz cx="6858000" cy="9144000"/>
@@ -9873,155 +9874,85 @@
           <a:lstStyle/>
           <a:p>
             <a:r>
-              <a:rPr lang="es-ES" sz="2400" dirty="0" smtClean="0"/>
-              <a:t>myService.idl:</a:t>
-            </a:r>
-          </a:p>
-          <a:p>
-            <a:pPr lvl="1">
-              <a:buNone/>
-            </a:pPr>
-            <a:r>
-              <a:rPr lang="es-ES" sz="1800" dirty="0" err="1" smtClean="0"/>
-              <a:t>typedef</a:t>
-            </a:r>
-            <a:r>
-              <a:rPr lang="es-ES" sz="1800" dirty="0" smtClean="0"/>
-              <a:t>  </a:t>
-            </a:r>
-            <a:r>
-              <a:rPr lang="es-ES" sz="1800" dirty="0" err="1" smtClean="0"/>
-              <a:t>sequence</a:t>
-            </a:r>
-            <a:r>
-              <a:rPr lang="es-ES" sz="1800" dirty="0" smtClean="0"/>
-              <a:t>&lt;octet,128&gt; Key;</a:t>
-            </a:r>
-          </a:p>
-          <a:p>
-            <a:pPr lvl="1">
-              <a:buNone/>
-            </a:pPr>
-            <a:r>
-              <a:rPr lang="es-ES" sz="1800" dirty="0" smtClean="0"/>
-              <a:t>interface </a:t>
-            </a:r>
-            <a:r>
-              <a:rPr lang="es-ES" sz="1800" dirty="0" err="1" smtClean="0"/>
-              <a:t>myService</a:t>
-            </a:r>
-            <a:r>
-              <a:rPr lang="es-ES" sz="1800" dirty="0" smtClean="0"/>
-              <a:t>{</a:t>
-            </a:r>
-          </a:p>
-          <a:p>
-            <a:pPr lvl="2">
-              <a:buNone/>
-            </a:pPr>
-            <a:r>
-              <a:rPr lang="es-ES" sz="1800" dirty="0" err="1" smtClean="0"/>
-              <a:t>l</a:t>
-            </a:r>
-            <a:r>
-              <a:rPr lang="es-ES" sz="1800" dirty="0" err="1" smtClean="0"/>
-              <a:t>ong</a:t>
-            </a:r>
-            <a:r>
-              <a:rPr lang="es-ES" sz="1800" dirty="0" smtClean="0"/>
-              <a:t> fun1(in Key param1, </a:t>
-            </a:r>
-            <a:r>
-              <a:rPr lang="es-ES" sz="1800" dirty="0" err="1" smtClean="0"/>
-              <a:t>inout</a:t>
-            </a:r>
-            <a:r>
-              <a:rPr lang="es-ES" sz="1800" dirty="0" smtClean="0"/>
+              <a:rPr lang="es-ES" dirty="0" smtClean="0"/>
+              <a:t>DDS </a:t>
+            </a:r>
+            <a:r>
+              <a:rPr lang="es-ES" dirty="0" smtClean="0"/>
+              <a:t>implementa el modelo </a:t>
+            </a:r>
+            <a:r>
+              <a:rPr lang="es-ES" dirty="0" smtClean="0"/>
+              <a:t>publicación/subscripción pero </a:t>
+            </a:r>
+            <a:r>
+              <a:rPr lang="es-ES" dirty="0" smtClean="0"/>
+              <a:t>no llamadas a procedimiento </a:t>
+            </a:r>
+            <a:r>
+              <a:rPr lang="es-ES" dirty="0" smtClean="0"/>
+              <a:t>remoto</a:t>
+            </a:r>
+          </a:p>
+          <a:p>
+            <a:endParaRPr lang="es-ES" dirty="0" smtClean="0"/>
+          </a:p>
+          <a:p>
+            <a:r>
+              <a:rPr lang="es-ES" dirty="0" smtClean="0"/>
+              <a:t>Con </a:t>
+            </a:r>
+            <a:r>
+              <a:rPr lang="es-ES" dirty="0" smtClean="0"/>
+              <a:t>DDS </a:t>
+            </a:r>
+            <a:r>
+              <a:rPr lang="es-ES" dirty="0" smtClean="0"/>
+              <a:t>se puede  </a:t>
+            </a:r>
+            <a:r>
+              <a:rPr lang="es-ES" dirty="0" smtClean="0"/>
+              <a:t>implementar este patrón</a:t>
+            </a:r>
+            <a:r>
+              <a:rPr lang="es-ES" dirty="0" smtClean="0"/>
+              <a:t>:</a:t>
+            </a:r>
+          </a:p>
+          <a:p>
+            <a:pPr lvl="1"/>
+            <a:r>
+              <a:rPr lang="es-ES" dirty="0" smtClean="0"/>
               <a:t> </a:t>
             </a:r>
             <a:r>
-              <a:rPr lang="es-ES" sz="1800" dirty="0" err="1" smtClean="0"/>
-              <a:t>string</a:t>
-            </a:r>
-            <a:r>
-              <a:rPr lang="es-ES" sz="1800" dirty="0" smtClean="0"/>
-              <a:t> param2, </a:t>
-            </a:r>
-            <a:r>
-              <a:rPr lang="es-ES" sz="1800" dirty="0" err="1" smtClean="0"/>
-              <a:t>out</a:t>
-            </a:r>
-            <a:r>
-              <a:rPr lang="es-ES" sz="1800" dirty="0" smtClean="0"/>
-              <a:t> </a:t>
-            </a:r>
-            <a:r>
-              <a:rPr lang="es-ES" sz="1800" dirty="0" err="1" smtClean="0"/>
-              <a:t>string</a:t>
-            </a:r>
-            <a:r>
-              <a:rPr lang="es-ES" sz="1800" dirty="0" smtClean="0"/>
-              <a:t> param3);</a:t>
-            </a:r>
-          </a:p>
-          <a:p>
-            <a:pPr lvl="2">
-              <a:buNone/>
-            </a:pPr>
-            <a:r>
-              <a:rPr lang="es-ES" sz="1800" dirty="0" err="1" smtClean="0"/>
-              <a:t>long</a:t>
-            </a:r>
-            <a:r>
-              <a:rPr lang="es-ES" sz="1800" dirty="0" smtClean="0"/>
-              <a:t> </a:t>
-            </a:r>
-            <a:r>
-              <a:rPr lang="es-ES" sz="1800" dirty="0" smtClean="0"/>
-              <a:t>fun2(in </a:t>
-            </a:r>
-            <a:r>
-              <a:rPr lang="es-ES" sz="1800" dirty="0" smtClean="0"/>
-              <a:t>Key </a:t>
-            </a:r>
-            <a:r>
-              <a:rPr lang="es-ES" sz="1800" dirty="0" smtClean="0"/>
-              <a:t>param2);</a:t>
-            </a:r>
-            <a:endParaRPr lang="es-ES" sz="1600" dirty="0" smtClean="0"/>
-          </a:p>
-          <a:p>
-            <a:pPr lvl="1">
-              <a:buNone/>
-            </a:pPr>
-            <a:r>
-              <a:rPr lang="es-ES" sz="1800" dirty="0" smtClean="0"/>
-              <a:t>}</a:t>
-            </a:r>
-            <a:endParaRPr lang="es-ES" sz="1800" dirty="0"/>
-          </a:p>
-        </p:txBody>
-      </p:sp>
-      <p:graphicFrame>
-        <p:nvGraphicFramePr>
-          <p:cNvPr id="3" name="Object 2"/>
-          <p:cNvGraphicFramePr>
-            <a:graphicFrameLocks noChangeAspect="1"/>
-          </p:cNvGraphicFramePr>
-          <p:nvPr/>
-        </p:nvGraphicFramePr>
-        <p:xfrm>
-          <a:off x="500034" y="3500438"/>
-          <a:ext cx="8384874" cy="2363799"/>
-        </p:xfrm>
-        <a:graphic>
-          <a:graphicData uri="http://schemas.openxmlformats.org/presentationml/2006/ole">
-            <p:oleObj spid="_x0000_s27650" name="Visio" r:id="rId3" imgW="6442671" imgH="1815480" progId="Visio.Drawing.11">
-              <p:embed/>
-            </p:oleObj>
-          </a:graphicData>
-        </a:graphic>
-      </p:graphicFrame>
+              <a:rPr lang="es-ES" dirty="0" smtClean="0"/>
+              <a:t>Dada una función remota a la que </a:t>
+            </a:r>
+            <a:r>
+              <a:rPr lang="es-ES" dirty="0" smtClean="0"/>
+              <a:t>se quiera </a:t>
+            </a:r>
+            <a:r>
+              <a:rPr lang="es-ES" dirty="0" smtClean="0"/>
+              <a:t>llamar, </a:t>
+            </a:r>
+            <a:r>
+              <a:rPr lang="es-ES" dirty="0" smtClean="0"/>
+              <a:t>se deben </a:t>
+            </a:r>
+            <a:r>
+              <a:rPr lang="es-ES" dirty="0" smtClean="0"/>
+              <a:t>crear un par de tópicos, uno para los parámetros de entrada de la función y otro para los de salida, así como codificar el comportamiento </a:t>
+            </a:r>
+            <a:r>
+              <a:rPr lang="es-ES" dirty="0" smtClean="0"/>
+              <a:t>cliente/servidor…</a:t>
+            </a:r>
+            <a:endParaRPr lang="es-ES" dirty="0" smtClean="0"/>
+          </a:p>
+        </p:txBody>
+      </p:sp>
     </p:spTree>
   </p:cSld>
   <p:clrMapOvr>
@@ -10031,7 +9962,7 @@
 </file>
 
 <file path=ppt/slides/slide5.xml><?xml version="1.0" encoding="utf-8"?>
-<p:sld xmlns:a="http://schemas.openxmlformats.org/drawingml/2006/main" xmlns:r="http://schemas.openxmlformats.org/officeDocument/2006/relationships" xmlns:p="http://schemas.openxmlformats.org/presentationml/2006/main">
+<p:sld xmlns:a="http://schemas.openxmlformats.org/drawingml/2006/main" xmlns:r="http://schemas.openxmlformats.org/officeDocument/2006/relationships" xmlns:p="http://schemas.openxmlformats.org/presentationml/2006/main" showMasterSp="0">
   <p:cSld>
     <p:spTree>
       <p:nvGrpSpPr>
@@ -10059,195 +9990,169 @@
         </p:nvSpPr>
         <p:spPr/>
         <p:txBody>
+          <a:bodyPr>
+            <a:normAutofit/>
+          </a:bodyPr>
+          <a:lstStyle/>
+          <a:p>
+            <a:pPr algn="ctr"/>
+            <a:r>
+              <a:rPr lang="es-ES" dirty="0" smtClean="0"/>
+              <a:t>Cliente Servidor sobre DDS</a:t>
+            </a:r>
+            <a:endParaRPr lang="es-ES" dirty="0"/>
+          </a:p>
+        </p:txBody>
+      </p:sp>
+      <p:sp>
+        <p:nvSpPr>
+          <p:cNvPr id="4" name="3 Marcador de contenido"/>
+          <p:cNvSpPr>
+            <a:spLocks noGrp="1"/>
+          </p:cNvSpPr>
+          <p:nvPr>
+            <p:ph idx="1"/>
+          </p:nvPr>
+        </p:nvSpPr>
+        <p:spPr/>
+        <p:txBody>
           <a:bodyPr/>
           <a:lstStyle/>
           <a:p>
-            <a:pPr algn="ctr"/>
-            <a:r>
-              <a:rPr lang="es-ES" dirty="0" smtClean="0"/>
-              <a:t>Enfoque Manual</a:t>
-            </a:r>
-            <a:endParaRPr lang="es-ES" dirty="0"/>
-          </a:p>
-        </p:txBody>
-      </p:sp>
-      <p:sp>
-        <p:nvSpPr>
-          <p:cNvPr id="3" name="2 Marcador de contenido"/>
-          <p:cNvSpPr>
-            <a:spLocks noGrp="1"/>
-          </p:cNvSpPr>
-          <p:nvPr>
-            <p:ph idx="1"/>
-          </p:nvPr>
-        </p:nvSpPr>
-        <p:spPr/>
-        <p:txBody>
-          <a:bodyPr/>
-          <a:lstStyle/>
-          <a:p>
             <a:r>
               <a:rPr lang="es-ES" sz="2400" dirty="0" smtClean="0"/>
-              <a:t>Para cad</a:t>
-            </a:r>
-            <a:r>
-              <a:rPr lang="es-ES" sz="2400" dirty="0" smtClean="0"/>
-              <a:t>a interface: </a:t>
-            </a:r>
-          </a:p>
-          <a:p>
-            <a:pPr lvl="1"/>
-            <a:r>
-              <a:rPr lang="es-ES" sz="2000" dirty="0" err="1" smtClean="0"/>
+              <a:t>myService.idl:</a:t>
+            </a:r>
+          </a:p>
+          <a:p>
+            <a:pPr lvl="1">
+              <a:buNone/>
+            </a:pPr>
+            <a:r>
+              <a:rPr lang="es-ES" sz="1800" dirty="0" err="1" smtClean="0"/>
+              <a:t>typedef</a:t>
+            </a:r>
+            <a:r>
+              <a:rPr lang="es-ES" sz="1800" dirty="0" smtClean="0"/>
+              <a:t>  </a:t>
+            </a:r>
+            <a:r>
+              <a:rPr lang="es-ES" sz="1800" dirty="0" err="1" smtClean="0"/>
+              <a:t>sequence</a:t>
+            </a:r>
+            <a:r>
+              <a:rPr lang="es-ES" sz="1800" dirty="0" smtClean="0"/>
+              <a:t>&lt;octet,128&gt; Key;</a:t>
+            </a:r>
+          </a:p>
+          <a:p>
+            <a:pPr lvl="1">
+              <a:buNone/>
+            </a:pPr>
+            <a:r>
+              <a:rPr lang="es-ES" sz="1800" dirty="0" smtClean="0"/>
+              <a:t>interface </a:t>
+            </a:r>
+            <a:r>
+              <a:rPr lang="es-ES" sz="1800" dirty="0" err="1" smtClean="0"/>
               <a:t>myService</a:t>
             </a:r>
             <a:r>
-              <a:rPr lang="es-ES" sz="2000" dirty="0" smtClean="0"/>
-              <a:t>, </a:t>
-            </a:r>
-            <a:r>
-              <a:rPr lang="es-ES" sz="2000" dirty="0" err="1" smtClean="0"/>
-              <a:t>myServiceSupport</a:t>
-            </a:r>
-            <a:r>
-              <a:rPr lang="es-ES" sz="2000" dirty="0" smtClean="0"/>
-              <a:t>, </a:t>
-            </a:r>
-            <a:r>
-              <a:rPr lang="es-ES" sz="2000" dirty="0" err="1" smtClean="0"/>
-              <a:t>myServicePlugin</a:t>
-            </a:r>
-            <a:r>
-              <a:rPr lang="es-ES" sz="2000" dirty="0" smtClean="0"/>
+              <a:rPr lang="es-ES" sz="1800" dirty="0" smtClean="0"/>
+              <a:t>{</a:t>
+            </a:r>
+          </a:p>
+          <a:p>
+            <a:pPr lvl="2">
+              <a:buNone/>
+            </a:pPr>
+            <a:r>
+              <a:rPr lang="es-ES" sz="1800" dirty="0" err="1" smtClean="0"/>
+              <a:t>long</a:t>
+            </a:r>
+            <a:r>
+              <a:rPr lang="es-ES" sz="1800" dirty="0" smtClean="0"/>
+              <a:t> fun1(in Key param1, </a:t>
+            </a:r>
+            <a:r>
+              <a:rPr lang="es-ES" sz="1800" dirty="0" err="1" smtClean="0"/>
+              <a:t>inout</a:t>
+            </a:r>
+            <a:r>
+              <a:rPr lang="es-ES" sz="1800" dirty="0" smtClean="0"/>
               <a:t> </a:t>
             </a:r>
             <a:r>
-              <a:rPr lang="es-ES" sz="2000" dirty="0" smtClean="0"/>
-              <a:t>(</a:t>
-            </a:r>
-            <a:r>
-              <a:rPr lang="es-ES" sz="2000" dirty="0" err="1" smtClean="0"/>
-              <a:t>rtiddsgen</a:t>
-            </a:r>
-            <a:r>
-              <a:rPr lang="es-ES" sz="2000" dirty="0" smtClean="0"/>
-              <a:t>)</a:t>
-            </a:r>
-          </a:p>
-          <a:p>
-            <a:pPr lvl="1"/>
-            <a:r>
-              <a:rPr lang="es-ES" sz="2000" dirty="0" err="1" smtClean="0"/>
-              <a:t>myServiceProxy</a:t>
-            </a:r>
-            <a:r>
-              <a:rPr lang="es-ES" sz="2000" dirty="0" smtClean="0"/>
-              <a:t>, </a:t>
-            </a:r>
-            <a:r>
-              <a:rPr lang="es-ES" sz="2000" dirty="0" err="1" smtClean="0"/>
-              <a:t>myServiceServer</a:t>
-            </a:r>
-            <a:endParaRPr lang="es-ES" sz="2000" dirty="0" smtClean="0"/>
-          </a:p>
-          <a:p>
-            <a:pPr lvl="1"/>
-            <a:r>
-              <a:rPr lang="es-ES" sz="2000" dirty="0" err="1" smtClean="0"/>
-              <a:t>Client</a:t>
-            </a:r>
-            <a:r>
-              <a:rPr lang="es-ES" sz="2000" dirty="0" smtClean="0"/>
+              <a:rPr lang="es-ES" sz="1800" dirty="0" err="1" smtClean="0"/>
+              <a:t>string</a:t>
+            </a:r>
+            <a:r>
+              <a:rPr lang="es-ES" sz="1800" dirty="0" smtClean="0"/>
+              <a:t> param2, </a:t>
+            </a:r>
+            <a:r>
+              <a:rPr lang="es-ES" sz="1800" dirty="0" err="1" smtClean="0"/>
+              <a:t>out</a:t>
+            </a:r>
+            <a:r>
+              <a:rPr lang="es-ES" sz="1800" dirty="0" smtClean="0"/>
               <a:t> </a:t>
             </a:r>
             <a:r>
-              <a:rPr lang="es-ES" sz="2000" dirty="0" err="1" smtClean="0"/>
-              <a:t>main</a:t>
-            </a:r>
-            <a:r>
-              <a:rPr lang="es-ES" sz="2000" dirty="0" smtClean="0"/>
-              <a:t>, Server </a:t>
-            </a:r>
-            <a:r>
-              <a:rPr lang="es-ES" sz="2000" dirty="0" err="1" smtClean="0"/>
-              <a:t>main</a:t>
-            </a:r>
-            <a:r>
-              <a:rPr lang="es-ES" sz="2000" dirty="0" smtClean="0"/>
-              <a:t>.</a:t>
-            </a:r>
-          </a:p>
-          <a:p>
-            <a:pPr lvl="1"/>
-            <a:r>
-              <a:rPr lang="es-ES" sz="2000" dirty="0" smtClean="0"/>
-              <a:t>Código de cliente y servidor para la gestión de peticiones, inicialización y configuración de entidades DDS…</a:t>
-            </a:r>
-          </a:p>
-          <a:p>
-            <a:r>
-              <a:rPr lang="es-ES" sz="2400" dirty="0" smtClean="0"/>
-              <a:t>Para cada método: </a:t>
-            </a:r>
-          </a:p>
-          <a:p>
-            <a:pPr lvl="1"/>
-            <a:r>
-              <a:rPr lang="es-ES" sz="2000" dirty="0" smtClean="0"/>
-              <a:t>fun1Request, fun1RequestSupport</a:t>
-            </a:r>
-            <a:r>
-              <a:rPr lang="es-ES" sz="2000" dirty="0" smtClean="0"/>
-              <a:t>, fun1RequestPlugin (</a:t>
-            </a:r>
-            <a:r>
-              <a:rPr lang="es-ES" sz="2000" dirty="0" err="1" smtClean="0"/>
-              <a:t>rtiddsgen</a:t>
-            </a:r>
-            <a:r>
-              <a:rPr lang="es-ES" sz="2000" dirty="0" smtClean="0"/>
-              <a:t>)</a:t>
-            </a:r>
-            <a:endParaRPr lang="es-ES" sz="2000" dirty="0" smtClean="0"/>
-          </a:p>
-          <a:p>
-            <a:pPr lvl="1"/>
-            <a:r>
-              <a:rPr lang="es-ES" sz="2000" dirty="0" smtClean="0"/>
-              <a:t>fun1Reply, fun1ReplySupport, fun1ReplyPlugin </a:t>
-            </a:r>
-            <a:r>
-              <a:rPr lang="es-ES" sz="2000" dirty="0" smtClean="0"/>
-              <a:t>(</a:t>
-            </a:r>
-            <a:r>
-              <a:rPr lang="es-ES" sz="2000" dirty="0" err="1" smtClean="0"/>
-              <a:t>rtiddsgen</a:t>
-            </a:r>
-            <a:r>
-              <a:rPr lang="es-ES" sz="2000" dirty="0" smtClean="0"/>
-              <a:t>)</a:t>
-            </a:r>
-          </a:p>
-          <a:p>
-            <a:pPr lvl="1"/>
-            <a:r>
-              <a:rPr lang="es-ES" sz="2000" dirty="0" smtClean="0"/>
-              <a:t>Código de cliente y servidor para gestionar peticiones/respuestas, parámetros…</a:t>
-            </a:r>
-          </a:p>
-          <a:p>
-            <a:pPr lvl="1"/>
-            <a:endParaRPr lang="es-ES" sz="2000" dirty="0" smtClean="0"/>
-          </a:p>
-          <a:p>
-            <a:endParaRPr lang="es-ES" dirty="0" smtClean="0"/>
-          </a:p>
-          <a:p>
-            <a:endParaRPr lang="es-ES" dirty="0"/>
-          </a:p>
-        </p:txBody>
-      </p:sp>
+              <a:rPr lang="es-ES" sz="1800" dirty="0" err="1" smtClean="0"/>
+              <a:t>string</a:t>
+            </a:r>
+            <a:r>
+              <a:rPr lang="es-ES" sz="1800" dirty="0" smtClean="0"/>
+              <a:t> param3);</a:t>
+            </a:r>
+          </a:p>
+          <a:p>
+            <a:pPr lvl="2">
+              <a:buNone/>
+            </a:pPr>
+            <a:r>
+              <a:rPr lang="es-ES" sz="1800" dirty="0" err="1" smtClean="0"/>
+              <a:t>long</a:t>
+            </a:r>
+            <a:r>
+              <a:rPr lang="es-ES" sz="1800" dirty="0" smtClean="0"/>
+              <a:t> fun2(in Key param2);</a:t>
+            </a:r>
+            <a:endParaRPr lang="es-ES" sz="1600" dirty="0" smtClean="0"/>
+          </a:p>
+          <a:p>
+            <a:pPr lvl="1">
+              <a:buNone/>
+            </a:pPr>
+            <a:r>
+              <a:rPr lang="es-ES" sz="1800" dirty="0" smtClean="0"/>
+              <a:t>}</a:t>
+            </a:r>
+            <a:endParaRPr lang="es-ES" sz="1800" dirty="0"/>
+          </a:p>
+        </p:txBody>
+      </p:sp>
+      <p:graphicFrame>
+        <p:nvGraphicFramePr>
+          <p:cNvPr id="3" name="Object 2"/>
+          <p:cNvGraphicFramePr>
+            <a:graphicFrameLocks noChangeAspect="1"/>
+          </p:cNvGraphicFramePr>
+          <p:nvPr/>
+        </p:nvGraphicFramePr>
+        <p:xfrm>
+          <a:off x="500034" y="3500438"/>
+          <a:ext cx="8384874" cy="2363799"/>
+        </p:xfrm>
+        <a:graphic>
+          <a:graphicData uri="http://schemas.openxmlformats.org/presentationml/2006/ole">
+            <p:oleObj spid="_x0000_s43010" name="Visio" r:id="rId3" imgW="6442671" imgH="1815480" progId="Visio.Drawing.11">
+              <p:embed/>
+            </p:oleObj>
+          </a:graphicData>
+        </a:graphic>
+      </p:graphicFrame>
     </p:spTree>
   </p:cSld>
   <p:clrMapOvr>
@@ -10291,46 +10196,172 @@
             <a:pPr algn="ctr"/>
             <a:r>
               <a:rPr lang="es-ES" dirty="0" smtClean="0"/>
-              <a:t>IDL2DDSCS</a:t>
+              <a:t>Enfoque Manual</a:t>
             </a:r>
             <a:endParaRPr lang="es-ES" dirty="0"/>
           </a:p>
         </p:txBody>
       </p:sp>
-      <p:pic>
-        <p:nvPicPr>
-          <p:cNvPr id="28674" name="Picture 2"/>
-          <p:cNvPicPr>
-            <a:picLocks noGrp="1" noChangeAspect="1" noChangeArrowheads="1"/>
-          </p:cNvPicPr>
+      <p:sp>
+        <p:nvSpPr>
+          <p:cNvPr id="3" name="2 Marcador de contenido"/>
+          <p:cNvSpPr>
+            <a:spLocks noGrp="1"/>
+          </p:cNvSpPr>
           <p:nvPr>
             <p:ph idx="1"/>
           </p:nvPr>
-        </p:nvPicPr>
-        <p:blipFill>
-          <a:blip r:embed="rId2" cstate="print"/>
-          <a:srcRect/>
-          <a:stretch>
-            <a:fillRect/>
-          </a:stretch>
-        </p:blipFill>
-        <p:spPr bwMode="auto">
-          <a:xfrm>
-            <a:off x="714348" y="2143116"/>
-            <a:ext cx="7870884" cy="3714763"/>
-          </a:xfrm>
-          <a:prstGeom prst="rect">
-            <a:avLst/>
-          </a:prstGeom>
-          <a:noFill/>
-          <a:ln w="9525">
-            <a:noFill/>
-            <a:miter lim="800000"/>
-            <a:headEnd/>
-            <a:tailEnd/>
-          </a:ln>
-        </p:spPr>
-      </p:pic>
+        </p:nvSpPr>
+        <p:spPr/>
+        <p:txBody>
+          <a:bodyPr/>
+          <a:lstStyle/>
+          <a:p>
+            <a:r>
+              <a:rPr lang="es-ES" sz="2400" dirty="0" smtClean="0"/>
+              <a:t>Para cada interface: </a:t>
+            </a:r>
+          </a:p>
+          <a:p>
+            <a:pPr lvl="1"/>
+            <a:r>
+              <a:rPr lang="es-ES" sz="2000" dirty="0" err="1" smtClean="0"/>
+              <a:t>myService</a:t>
+            </a:r>
+            <a:r>
+              <a:rPr lang="es-ES" sz="2000" dirty="0" smtClean="0"/>
+              <a:t>, </a:t>
+            </a:r>
+            <a:r>
+              <a:rPr lang="es-ES" sz="2000" dirty="0" err="1" smtClean="0"/>
+              <a:t>myServiceSupport</a:t>
+            </a:r>
+            <a:r>
+              <a:rPr lang="es-ES" sz="2000" dirty="0" smtClean="0"/>
+              <a:t>, </a:t>
+            </a:r>
+            <a:r>
+              <a:rPr lang="es-ES" sz="2000" dirty="0" err="1" smtClean="0"/>
+              <a:t>myServicePlugin</a:t>
+            </a:r>
+            <a:r>
+              <a:rPr lang="es-ES" sz="2000" dirty="0" smtClean="0"/>
+              <a:t> (</a:t>
+            </a:r>
+            <a:r>
+              <a:rPr lang="es-ES" sz="2000" dirty="0" err="1" smtClean="0"/>
+              <a:t>rtiddsgen</a:t>
+            </a:r>
+            <a:r>
+              <a:rPr lang="es-ES" sz="2000" dirty="0" smtClean="0"/>
+              <a:t>)</a:t>
+            </a:r>
+          </a:p>
+          <a:p>
+            <a:pPr lvl="1"/>
+            <a:r>
+              <a:rPr lang="es-ES" sz="2000" dirty="0" err="1" smtClean="0"/>
+              <a:t>myServiceProxy</a:t>
+            </a:r>
+            <a:r>
+              <a:rPr lang="es-ES" sz="2000" dirty="0" smtClean="0"/>
+              <a:t>, </a:t>
+            </a:r>
+            <a:r>
+              <a:rPr lang="es-ES" sz="2000" dirty="0" err="1" smtClean="0"/>
+              <a:t>myServiceServer</a:t>
+            </a:r>
+            <a:endParaRPr lang="es-ES" sz="2000" dirty="0" smtClean="0"/>
+          </a:p>
+          <a:p>
+            <a:pPr lvl="1"/>
+            <a:r>
+              <a:rPr lang="es-ES" sz="2000" dirty="0" err="1" smtClean="0"/>
+              <a:t>Client</a:t>
+            </a:r>
+            <a:r>
+              <a:rPr lang="es-ES" sz="2000" dirty="0" smtClean="0"/>
+              <a:t> </a:t>
+            </a:r>
+            <a:r>
+              <a:rPr lang="es-ES" sz="2000" dirty="0" err="1" smtClean="0"/>
+              <a:t>main</a:t>
+            </a:r>
+            <a:r>
+              <a:rPr lang="es-ES" sz="2000" dirty="0" smtClean="0"/>
+              <a:t>, Server </a:t>
+            </a:r>
+            <a:r>
+              <a:rPr lang="es-ES" sz="2000" dirty="0" err="1" smtClean="0"/>
+              <a:t>main</a:t>
+            </a:r>
+            <a:r>
+              <a:rPr lang="es-ES" sz="2000" dirty="0" smtClean="0"/>
+              <a:t>.</a:t>
+            </a:r>
+          </a:p>
+          <a:p>
+            <a:pPr lvl="1"/>
+            <a:r>
+              <a:rPr lang="es-ES" sz="2000" dirty="0" smtClean="0"/>
+              <a:t>Código de cliente y servidor para la gestión de peticiones, inicialización y configuración de entidades DDS…</a:t>
+            </a:r>
+          </a:p>
+          <a:p>
+            <a:r>
+              <a:rPr lang="es-ES" sz="2400" dirty="0" smtClean="0"/>
+              <a:t>Para cada método: </a:t>
+            </a:r>
+          </a:p>
+          <a:p>
+            <a:pPr lvl="1"/>
+            <a:r>
+              <a:rPr lang="es-ES" sz="2000" dirty="0" smtClean="0"/>
+              <a:t>fun1Request, fun1RequestSupport, fun1RequestPlugin (</a:t>
+            </a:r>
+            <a:r>
+              <a:rPr lang="es-ES" sz="2000" dirty="0" err="1" smtClean="0"/>
+              <a:t>rtiddsgen</a:t>
+            </a:r>
+            <a:r>
+              <a:rPr lang="es-ES" sz="2000" dirty="0" smtClean="0"/>
+              <a:t>)</a:t>
+            </a:r>
+          </a:p>
+          <a:p>
+            <a:pPr lvl="1"/>
+            <a:r>
+              <a:rPr lang="es-ES" sz="2000" dirty="0" smtClean="0"/>
+              <a:t>fun1Reply, fun1ReplySupport, fun1ReplyPlugin (</a:t>
+            </a:r>
+            <a:r>
+              <a:rPr lang="es-ES" sz="2000" dirty="0" err="1" smtClean="0"/>
+              <a:t>rtiddsgen</a:t>
+            </a:r>
+            <a:r>
+              <a:rPr lang="es-ES" sz="2000" dirty="0" smtClean="0"/>
+              <a:t>)</a:t>
+            </a:r>
+          </a:p>
+          <a:p>
+            <a:pPr lvl="1"/>
+            <a:r>
+              <a:rPr lang="es-ES" sz="2000" dirty="0" smtClean="0"/>
+              <a:t>Código de cliente y servidor para gestionar peticiones/respuestas, parámetros…</a:t>
+            </a:r>
+          </a:p>
+          <a:p>
+            <a:pPr lvl="1"/>
+            <a:endParaRPr lang="es-ES" sz="2000" dirty="0" smtClean="0"/>
+          </a:p>
+          <a:p>
+            <a:endParaRPr lang="es-ES" dirty="0" smtClean="0"/>
+          </a:p>
+          <a:p>
+            <a:endParaRPr lang="es-ES" dirty="0"/>
+          </a:p>
+        </p:txBody>
+      </p:sp>
     </p:spTree>
   </p:cSld>
   <p:clrMapOvr>
@@ -10374,20 +10405,79 @@
             <a:pPr algn="ctr"/>
             <a:r>
               <a:rPr lang="es-ES" dirty="0" smtClean="0"/>
-              <a:t>DDS-CS: Ventajas</a:t>
+              <a:t>IDL2DDSCS</a:t>
             </a:r>
             <a:endParaRPr lang="es-ES" dirty="0"/>
           </a:p>
         </p:txBody>
       </p:sp>
-      <p:sp>
-        <p:nvSpPr>
-          <p:cNvPr id="3" name="2 Marcador de contenido"/>
+      <p:pic>
+        <p:nvPicPr>
+          <p:cNvPr id="28674" name="Picture 2"/>
+          <p:cNvPicPr>
+            <a:picLocks noGrp="1" noChangeAspect="1" noChangeArrowheads="1"/>
+          </p:cNvPicPr>
+          <p:nvPr>
+            <p:ph idx="1"/>
+          </p:nvPr>
+        </p:nvPicPr>
+        <p:blipFill>
+          <a:blip r:embed="rId2" cstate="print"/>
+          <a:srcRect/>
+          <a:stretch>
+            <a:fillRect/>
+          </a:stretch>
+        </p:blipFill>
+        <p:spPr bwMode="auto">
+          <a:xfrm>
+            <a:off x="714348" y="2143116"/>
+            <a:ext cx="7870884" cy="3714763"/>
+          </a:xfrm>
+          <a:prstGeom prst="rect">
+            <a:avLst/>
+          </a:prstGeom>
+          <a:noFill/>
+          <a:ln w="9525">
+            <a:noFill/>
+            <a:miter lim="800000"/>
+            <a:headEnd/>
+            <a:tailEnd/>
+          </a:ln>
+        </p:spPr>
+      </p:pic>
+    </p:spTree>
+  </p:cSld>
+  <p:clrMapOvr>
+    <a:masterClrMapping/>
+  </p:clrMapOvr>
+</p:sld>
+</file>
+
+<file path=ppt/slides/slide8.xml><?xml version="1.0" encoding="utf-8"?>
+<p:sld xmlns:a="http://schemas.openxmlformats.org/drawingml/2006/main" xmlns:r="http://schemas.openxmlformats.org/officeDocument/2006/relationships" xmlns:p="http://schemas.openxmlformats.org/presentationml/2006/main">
+  <p:cSld>
+    <p:spTree>
+      <p:nvGrpSpPr>
+        <p:cNvPr id="1" name=""/>
+        <p:cNvGrpSpPr/>
+        <p:nvPr/>
+      </p:nvGrpSpPr>
+      <p:grpSpPr>
+        <a:xfrm>
+          <a:off x="0" y="0"/>
+          <a:ext cx="0" cy="0"/>
+          <a:chOff x="0" y="0"/>
+          <a:chExt cx="0" cy="0"/>
+        </a:xfrm>
+      </p:grpSpPr>
+      <p:sp>
+        <p:nvSpPr>
+          <p:cNvPr id="2" name="1 Título"/>
           <p:cNvSpPr>
             <a:spLocks noGrp="1"/>
           </p:cNvSpPr>
           <p:nvPr>
-            <p:ph idx="1"/>
+            <p:ph type="title"/>
           </p:nvPr>
         </p:nvSpPr>
         <p:spPr/>
@@ -10395,6 +10485,30 @@
           <a:bodyPr/>
           <a:lstStyle/>
           <a:p>
+            <a:pPr algn="ctr"/>
+            <a:r>
+              <a:rPr lang="es-ES" dirty="0" smtClean="0"/>
+              <a:t>DDS-CS: Ventajas</a:t>
+            </a:r>
+            <a:endParaRPr lang="es-ES" dirty="0"/>
+          </a:p>
+        </p:txBody>
+      </p:sp>
+      <p:sp>
+        <p:nvSpPr>
+          <p:cNvPr id="3" name="2 Marcador de contenido"/>
+          <p:cNvSpPr>
+            <a:spLocks noGrp="1"/>
+          </p:cNvSpPr>
+          <p:nvPr>
+            <p:ph idx="1"/>
+          </p:nvPr>
+        </p:nvSpPr>
+        <p:spPr/>
+        <p:txBody>
+          <a:bodyPr/>
+          <a:lstStyle/>
+          <a:p>
             <a:r>
               <a:rPr lang="es-ES" sz="2400" dirty="0" smtClean="0"/>
               <a:t>Permite al desarrollador centrarse en el desarrollo de la lógica de aplicación</a:t>
@@ -10402,17 +10516,10 @@
           </a:p>
           <a:p>
             <a:r>
-              <a:rPr lang="es-ES" sz="2400" dirty="0" err="1" smtClean="0"/>
-              <a:t>Skeleton</a:t>
-            </a:r>
-            <a:r>
               <a:rPr lang="es-ES" sz="2400" dirty="0" smtClean="0"/>
-              <a:t> vacío para el </a:t>
-            </a:r>
-            <a:r>
-              <a:rPr lang="es-ES" sz="2400" dirty="0" smtClean="0"/>
-              <a:t>servidor</a:t>
-            </a:r>
+              <a:t>Enfoque similar a CORBA pero más sencillo de utilizar y con calidades de servicio configurables.</a:t>
+            </a:r>
+            <a:endParaRPr lang="es-ES" sz="2400" dirty="0" smtClean="0"/>
           </a:p>
           <a:p>
             <a:r>
@@ -10433,12 +10540,16 @@
               <a:rPr lang="es-ES" sz="2400" dirty="0" smtClean="0"/>
               <a:t>. </a:t>
             </a:r>
-            <a:endParaRPr lang="es-ES" sz="2400" dirty="0" smtClean="0"/>
-          </a:p>
-          <a:p>
+            <a:endParaRPr lang="es-ES" sz="2400" smtClean="0"/>
+          </a:p>
+          <a:p>
+            <a:r>
+              <a:rPr lang="es-ES" sz="2400" smtClean="0"/>
+              <a:t>Generación </a:t>
+            </a:r>
             <a:r>
               <a:rPr lang="es-ES" sz="2400" dirty="0" smtClean="0"/>
-              <a:t>Generación automática de: </a:t>
+              <a:t>automática de: </a:t>
             </a:r>
             <a:endParaRPr lang="es-ES" dirty="0" smtClean="0"/>
           </a:p>

--- a/ddscs/doc/DDSCS.pptx
+++ b/ddscs/doc/DDSCS.pptx
@@ -10540,11 +10540,10 @@
               <a:rPr lang="es-ES" sz="2400" dirty="0" smtClean="0"/>
               <a:t>. </a:t>
             </a:r>
-            <a:endParaRPr lang="es-ES" sz="2400" smtClean="0"/>
-          </a:p>
-          <a:p>
-            <a:r>
-              <a:rPr lang="es-ES" sz="2400" smtClean="0"/>
+          </a:p>
+          <a:p>
+            <a:r>
+              <a:rPr lang="es-ES" sz="2400" dirty="0" smtClean="0"/>
               <a:t>Generación </a:t>
             </a:r>
             <a:r>

--- a/ddscs/doc/DDSCS.pptx
+++ b/ddscs/doc/DDSCS.pptx
@@ -279,7 +279,7 @@
             <a:fld id="{59D7ED44-D62D-4218-9C47-82141F3A3F95}" type="datetimeFigureOut">
               <a:rPr lang="es-ES" smtClean="0"/>
               <a:pPr/>
-              <a:t>29/09/2009</a:t>
+              <a:t>16/11/2009</a:t>
             </a:fld>
             <a:endParaRPr lang="es-ES"/>
           </a:p>
@@ -825,7 +825,7 @@
             <a:fld id="{59D7ED44-D62D-4218-9C47-82141F3A3F95}" type="datetimeFigureOut">
               <a:rPr lang="es-ES" smtClean="0"/>
               <a:pPr/>
-              <a:t>29/09/2009</a:t>
+              <a:t>16/11/2009</a:t>
             </a:fld>
             <a:endParaRPr lang="es-ES"/>
           </a:p>
@@ -9875,81 +9875,24 @@
           <a:p>
             <a:r>
               <a:rPr lang="es-ES" dirty="0" smtClean="0"/>
-              <a:t>DDS </a:t>
-            </a:r>
+              <a:t>DDS implementa el modelo publicación/subscripción pero no llamadas a procedimiento remoto</a:t>
+            </a:r>
+          </a:p>
+          <a:p>
+            <a:endParaRPr lang="es-ES" dirty="0" smtClean="0"/>
+          </a:p>
+          <a:p>
             <a:r>
               <a:rPr lang="es-ES" dirty="0" smtClean="0"/>
-              <a:t>implementa el modelo </a:t>
-            </a:r>
+              <a:t>Con DDS se puede  implementar este patrón:</a:t>
+            </a:r>
+          </a:p>
+          <a:p>
+            <a:pPr lvl="1"/>
             <a:r>
               <a:rPr lang="es-ES" dirty="0" smtClean="0"/>
-              <a:t>publicación/subscripción pero </a:t>
-            </a:r>
-            <a:r>
-              <a:rPr lang="es-ES" dirty="0" smtClean="0"/>
-              <a:t>no llamadas a procedimiento </a:t>
-            </a:r>
-            <a:r>
-              <a:rPr lang="es-ES" dirty="0" smtClean="0"/>
-              <a:t>remoto</a:t>
-            </a:r>
-          </a:p>
-          <a:p>
-            <a:endParaRPr lang="es-ES" dirty="0" smtClean="0"/>
-          </a:p>
-          <a:p>
-            <a:r>
-              <a:rPr lang="es-ES" dirty="0" smtClean="0"/>
-              <a:t>Con </a:t>
-            </a:r>
-            <a:r>
-              <a:rPr lang="es-ES" dirty="0" smtClean="0"/>
-              <a:t>DDS </a:t>
-            </a:r>
-            <a:r>
-              <a:rPr lang="es-ES" dirty="0" smtClean="0"/>
-              <a:t>se puede  </a:t>
-            </a:r>
-            <a:r>
-              <a:rPr lang="es-ES" dirty="0" smtClean="0"/>
-              <a:t>implementar este patrón</a:t>
-            </a:r>
-            <a:r>
-              <a:rPr lang="es-ES" dirty="0" smtClean="0"/>
-              <a:t>:</a:t>
-            </a:r>
-          </a:p>
-          <a:p>
-            <a:pPr lvl="1"/>
-            <a:r>
-              <a:rPr lang="es-ES" dirty="0" smtClean="0"/>
-              <a:t> </a:t>
-            </a:r>
-            <a:r>
-              <a:rPr lang="es-ES" dirty="0" smtClean="0"/>
-              <a:t>Dada una función remota a la que </a:t>
-            </a:r>
-            <a:r>
-              <a:rPr lang="es-ES" dirty="0" smtClean="0"/>
-              <a:t>se quiera </a:t>
-            </a:r>
-            <a:r>
-              <a:rPr lang="es-ES" dirty="0" smtClean="0"/>
-              <a:t>llamar, </a:t>
-            </a:r>
-            <a:r>
-              <a:rPr lang="es-ES" dirty="0" smtClean="0"/>
-              <a:t>se deben </a:t>
-            </a:r>
-            <a:r>
-              <a:rPr lang="es-ES" dirty="0" smtClean="0"/>
-              <a:t>crear un par de tópicos, uno para los parámetros de entrada de la función y otro para los de salida, así como codificar el comportamiento </a:t>
-            </a:r>
-            <a:r>
-              <a:rPr lang="es-ES" dirty="0" smtClean="0"/>
-              <a:t>cliente/servidor…</a:t>
-            </a:r>
-            <a:endParaRPr lang="es-ES" dirty="0" smtClean="0"/>
+              <a:t> Dada una función remota a la que se quiera llamar, se deben crear un par de tópicos, uno para los parámetros de entrada de la función y otro para los de salida, así como codificar el comportamiento cliente/servidor…</a:t>
+            </a:r>
           </a:p>
         </p:txBody>
       </p:sp>
@@ -10423,15 +10366,14 @@
         </p:nvPicPr>
         <p:blipFill>
           <a:blip r:embed="rId2" cstate="print"/>
-          <a:srcRect/>
           <a:stretch>
             <a:fillRect/>
           </a:stretch>
         </p:blipFill>
         <p:spPr bwMode="auto">
           <a:xfrm>
-            <a:off x="714348" y="2143116"/>
-            <a:ext cx="7870884" cy="3714763"/>
+            <a:off x="757258" y="2143116"/>
+            <a:ext cx="7785064" cy="3714763"/>
           </a:xfrm>
           <a:prstGeom prst="rect">
             <a:avLst/>
@@ -10519,7 +10461,6 @@
               <a:rPr lang="es-ES" sz="2400" dirty="0" smtClean="0"/>
               <a:t>Enfoque similar a CORBA pero más sencillo de utilizar y con calidades de servicio configurables.</a:t>
             </a:r>
-            <a:endParaRPr lang="es-ES" sz="2400" dirty="0" smtClean="0"/>
           </a:p>
           <a:p>
             <a:r>
@@ -10544,11 +10485,7 @@
           <a:p>
             <a:r>
               <a:rPr lang="es-ES" sz="2400" dirty="0" smtClean="0"/>
-              <a:t>Generación </a:t>
-            </a:r>
-            <a:r>
-              <a:rPr lang="es-ES" sz="2400" dirty="0" smtClean="0"/>
-              <a:t>automática de: </a:t>
+              <a:t>Generación automática de: </a:t>
             </a:r>
             <a:endParaRPr lang="es-ES" dirty="0" smtClean="0"/>
           </a:p>
